--- a/Term-1/Assignment_work/EDA_Project_Sudeep_Raj/Fast-Food Restaurants DataAnalysis_SudeepRaj.pptx
+++ b/Term-1/Assignment_work/EDA_Project_Sudeep_Raj/Fast-Food Restaurants DataAnalysis_SudeepRaj.pptx
@@ -116,6 +116,11 @@
       </a:defRPr>
     </a:lvl9pPr>
   </p:defaultTextStyle>
+  <p:extLst>
+    <p:ext uri="{EFAFB233-063F-42B5-8137-9DF3F51BA10A}">
+      <p15:sldGuideLst xmlns:p15="http://schemas.microsoft.com/office/powerpoint/2012/main"/>
+    </p:ext>
+  </p:extLst>
 </p:presentation>
 </file>
 
@@ -765,7 +770,7 @@
           <a:p>
             <a:fld id="{6413A988-3068-4381-8BFE-6A00BE4573DA}" type="datetimeFigureOut">
               <a:rPr lang="en-IN" smtClean="0"/>
-              <a:t>06-10-2018</a:t>
+              <a:t>07-10-2018</a:t>
             </a:fld>
             <a:endParaRPr lang="en-IN"/>
           </a:p>
@@ -1885,7 +1890,7 @@
           <a:p>
             <a:fld id="{6413A988-3068-4381-8BFE-6A00BE4573DA}" type="datetimeFigureOut">
               <a:rPr lang="en-IN" smtClean="0"/>
-              <a:t>06-10-2018</a:t>
+              <a:t>07-10-2018</a:t>
             </a:fld>
             <a:endParaRPr lang="en-IN"/>
           </a:p>
@@ -2896,7 +2901,7 @@
           <a:p>
             <a:fld id="{6413A988-3068-4381-8BFE-6A00BE4573DA}" type="datetimeFigureOut">
               <a:rPr lang="en-IN" smtClean="0"/>
-              <a:t>06-10-2018</a:t>
+              <a:t>07-10-2018</a:t>
             </a:fld>
             <a:endParaRPr lang="en-IN"/>
           </a:p>
@@ -4066,7 +4071,7 @@
           <a:p>
             <a:fld id="{6413A988-3068-4381-8BFE-6A00BE4573DA}" type="datetimeFigureOut">
               <a:rPr lang="en-IN" smtClean="0"/>
-              <a:t>06-10-2018</a:t>
+              <a:t>07-10-2018</a:t>
             </a:fld>
             <a:endParaRPr lang="en-IN"/>
           </a:p>
@@ -5127,7 +5132,7 @@
           <a:p>
             <a:fld id="{6413A988-3068-4381-8BFE-6A00BE4573DA}" type="datetimeFigureOut">
               <a:rPr lang="en-IN" smtClean="0"/>
-              <a:t>06-10-2018</a:t>
+              <a:t>07-10-2018</a:t>
             </a:fld>
             <a:endParaRPr lang="en-IN"/>
           </a:p>
@@ -5773,7 +5778,7 @@
           <a:p>
             <a:fld id="{6413A988-3068-4381-8BFE-6A00BE4573DA}" type="datetimeFigureOut">
               <a:rPr lang="en-IN" smtClean="0"/>
-              <a:t>06-10-2018</a:t>
+              <a:t>07-10-2018</a:t>
             </a:fld>
             <a:endParaRPr lang="en-IN"/>
           </a:p>
@@ -6620,7 +6625,7 @@
           <a:p>
             <a:fld id="{6413A988-3068-4381-8BFE-6A00BE4573DA}" type="datetimeFigureOut">
               <a:rPr lang="en-IN" smtClean="0"/>
-              <a:t>06-10-2018</a:t>
+              <a:t>07-10-2018</a:t>
             </a:fld>
             <a:endParaRPr lang="en-IN"/>
           </a:p>
@@ -6795,7 +6800,7 @@
           <a:p>
             <a:fld id="{6413A988-3068-4381-8BFE-6A00BE4573DA}" type="datetimeFigureOut">
               <a:rPr lang="en-IN" smtClean="0"/>
-              <a:t>06-10-2018</a:t>
+              <a:t>07-10-2018</a:t>
             </a:fld>
             <a:endParaRPr lang="en-IN"/>
           </a:p>
@@ -7793,7 +7798,7 @@
           <a:p>
             <a:fld id="{6413A988-3068-4381-8BFE-6A00BE4573DA}" type="datetimeFigureOut">
               <a:rPr lang="en-IN" smtClean="0"/>
-              <a:t>06-10-2018</a:t>
+              <a:t>07-10-2018</a:t>
             </a:fld>
             <a:endParaRPr lang="en-IN"/>
           </a:p>
@@ -7999,7 +8004,7 @@
           <a:p>
             <a:fld id="{6413A988-3068-4381-8BFE-6A00BE4573DA}" type="datetimeFigureOut">
               <a:rPr lang="en-IN" smtClean="0"/>
-              <a:t>06-10-2018</a:t>
+              <a:t>07-10-2018</a:t>
             </a:fld>
             <a:endParaRPr lang="en-IN"/>
           </a:p>
@@ -9061,7 +9066,7 @@
           <a:p>
             <a:fld id="{6413A988-3068-4381-8BFE-6A00BE4573DA}" type="datetimeFigureOut">
               <a:rPr lang="en-IN" smtClean="0"/>
-              <a:t>06-10-2018</a:t>
+              <a:t>07-10-2018</a:t>
             </a:fld>
             <a:endParaRPr lang="en-IN"/>
           </a:p>
@@ -9333,7 +9338,7 @@
           <a:p>
             <a:fld id="{6413A988-3068-4381-8BFE-6A00BE4573DA}" type="datetimeFigureOut">
               <a:rPr lang="en-IN" smtClean="0"/>
-              <a:t>06-10-2018</a:t>
+              <a:t>07-10-2018</a:t>
             </a:fld>
             <a:endParaRPr lang="en-IN"/>
           </a:p>
@@ -9715,7 +9720,7 @@
           <a:p>
             <a:fld id="{6413A988-3068-4381-8BFE-6A00BE4573DA}" type="datetimeFigureOut">
               <a:rPr lang="en-IN" smtClean="0"/>
-              <a:t>06-10-2018</a:t>
+              <a:t>07-10-2018</a:t>
             </a:fld>
             <a:endParaRPr lang="en-IN"/>
           </a:p>
@@ -9833,7 +9838,7 @@
           <a:p>
             <a:fld id="{6413A988-3068-4381-8BFE-6A00BE4573DA}" type="datetimeFigureOut">
               <a:rPr lang="en-IN" smtClean="0"/>
-              <a:t>06-10-2018</a:t>
+              <a:t>07-10-2018</a:t>
             </a:fld>
             <a:endParaRPr lang="en-IN"/>
           </a:p>
@@ -9928,7 +9933,7 @@
           <a:p>
             <a:fld id="{6413A988-3068-4381-8BFE-6A00BE4573DA}" type="datetimeFigureOut">
               <a:rPr lang="en-IN" smtClean="0"/>
-              <a:t>06-10-2018</a:t>
+              <a:t>07-10-2018</a:t>
             </a:fld>
             <a:endParaRPr lang="en-IN"/>
           </a:p>
@@ -11037,7 +11042,7 @@
           <a:p>
             <a:fld id="{6413A988-3068-4381-8BFE-6A00BE4573DA}" type="datetimeFigureOut">
               <a:rPr lang="en-IN" smtClean="0"/>
-              <a:t>06-10-2018</a:t>
+              <a:t>07-10-2018</a:t>
             </a:fld>
             <a:endParaRPr lang="en-IN"/>
           </a:p>
@@ -12170,7 +12175,7 @@
           <a:p>
             <a:fld id="{6413A988-3068-4381-8BFE-6A00BE4573DA}" type="datetimeFigureOut">
               <a:rPr lang="en-IN" smtClean="0"/>
-              <a:t>06-10-2018</a:t>
+              <a:t>07-10-2018</a:t>
             </a:fld>
             <a:endParaRPr lang="en-IN"/>
           </a:p>
@@ -13198,7 +13203,7 @@
           <a:p>
             <a:fld id="{6413A988-3068-4381-8BFE-6A00BE4573DA}" type="datetimeFigureOut">
               <a:rPr lang="en-IN" smtClean="0"/>
-              <a:t>06-10-2018</a:t>
+              <a:t>07-10-2018</a:t>
             </a:fld>
             <a:endParaRPr lang="en-IN"/>
           </a:p>
@@ -13771,8 +13776,8 @@
         </p:nvSpPr>
         <p:spPr>
           <a:xfrm>
-            <a:off x="1154955" y="2099733"/>
-            <a:ext cx="8825658" cy="2677648"/>
+            <a:off x="982677" y="887896"/>
+            <a:ext cx="8825658" cy="1782390"/>
           </a:xfrm>
         </p:spPr>
         <p:txBody>
@@ -13803,7 +13808,7 @@
         </p:nvSpPr>
         <p:spPr>
           <a:xfrm>
-            <a:off x="1154954" y="4777380"/>
+            <a:off x="1115199" y="2872799"/>
             <a:ext cx="3960385" cy="1013820"/>
           </a:xfrm>
         </p:spPr>
@@ -13914,7 +13919,7 @@
                 <a16:creationId xmlns:a16="http://schemas.microsoft.com/office/drawing/2014/main" id="{5A992EA8-A2AE-480C-BFF9-7B134643975C}"/>
               </a:ext>
               <a:ext uri="{C183D7F6-B498-43B3-948B-1728B52AA6E4}">
-                <adec:decorative xmlns="" xmlns:adec="http://schemas.microsoft.com/office/drawing/2017/decorative" val="1"/>
+                <adec:decorative xmlns:adec="http://schemas.microsoft.com/office/drawing/2017/decorative" xmlns="" val="1"/>
               </a:ext>
             </a:extLst>
           </p:cNvPr>
@@ -13945,7 +13950,7 @@
                   <a16:creationId xmlns:a16="http://schemas.microsoft.com/office/drawing/2014/main" id="{0F6F97DA-7406-453D-9AB4-28B0891BBFF4}"/>
                 </a:ext>
                 <a:ext uri="{C183D7F6-B498-43B3-948B-1728B52AA6E4}">
-                  <adec:decorative xmlns="" xmlns:adec="http://schemas.microsoft.com/office/drawing/2017/decorative" val="1"/>
+                  <adec:decorative xmlns:adec="http://schemas.microsoft.com/office/drawing/2017/decorative" xmlns="" val="1"/>
                 </a:ext>
               </a:extLst>
             </p:cNvPr>
@@ -14016,7 +14021,7 @@
                   <a16:creationId xmlns:a16="http://schemas.microsoft.com/office/drawing/2014/main" id="{31D171A9-30C8-4156-8EAF-50888EBE77EC}"/>
                 </a:ext>
                 <a:ext uri="{C183D7F6-B498-43B3-948B-1728B52AA6E4}">
-                  <adec:decorative xmlns="" xmlns:adec="http://schemas.microsoft.com/office/drawing/2017/decorative" val="1"/>
+                  <adec:decorative xmlns:adec="http://schemas.microsoft.com/office/drawing/2017/decorative" xmlns="" val="1"/>
                 </a:ext>
               </a:extLst>
             </p:cNvPr>
@@ -14094,7 +14099,7 @@
                   <a16:creationId xmlns:a16="http://schemas.microsoft.com/office/drawing/2014/main" id="{C52A6C74-8DC4-4902-962C-0DAFD7F9B5E3}"/>
                 </a:ext>
                 <a:ext uri="{C183D7F6-B498-43B3-948B-1728B52AA6E4}">
-                  <adec:decorative xmlns="" xmlns:adec="http://schemas.microsoft.com/office/drawing/2017/decorative" val="1"/>
+                  <adec:decorative xmlns:adec="http://schemas.microsoft.com/office/drawing/2017/decorative" xmlns="" val="1"/>
                 </a:ext>
               </a:extLst>
             </p:cNvPr>
@@ -14172,7 +14177,7 @@
                   <a16:creationId xmlns:a16="http://schemas.microsoft.com/office/drawing/2014/main" id="{D34C65DE-5132-426E-9E92-81CB9EFF8941}"/>
                 </a:ext>
                 <a:ext uri="{C183D7F6-B498-43B3-948B-1728B52AA6E4}">
-                  <adec:decorative xmlns="" xmlns:adec="http://schemas.microsoft.com/office/drawing/2017/decorative" val="1"/>
+                  <adec:decorative xmlns:adec="http://schemas.microsoft.com/office/drawing/2017/decorative" xmlns="" val="1"/>
                 </a:ext>
               </a:extLst>
             </p:cNvPr>
@@ -14250,7 +14255,7 @@
                   <a16:creationId xmlns:a16="http://schemas.microsoft.com/office/drawing/2014/main" id="{463FE9C4-150E-4C97-A21E-53B7CD261A14}"/>
                 </a:ext>
                 <a:ext uri="{C183D7F6-B498-43B3-948B-1728B52AA6E4}">
-                  <adec:decorative xmlns="" xmlns:adec="http://schemas.microsoft.com/office/drawing/2017/decorative" val="1"/>
+                  <adec:decorative xmlns:adec="http://schemas.microsoft.com/office/drawing/2017/decorative" xmlns="" val="1"/>
                 </a:ext>
               </a:extLst>
             </p:cNvPr>
@@ -14328,7 +14333,7 @@
                   <a16:creationId xmlns:a16="http://schemas.microsoft.com/office/drawing/2014/main" id="{F4DD7FA2-5B3A-4DD2-BA1A-735CC86BAA06}"/>
                 </a:ext>
                 <a:ext uri="{C183D7F6-B498-43B3-948B-1728B52AA6E4}">
-                  <adec:decorative xmlns="" xmlns:adec="http://schemas.microsoft.com/office/drawing/2017/decorative" val="1"/>
+                  <adec:decorative xmlns:adec="http://schemas.microsoft.com/office/drawing/2017/decorative" xmlns="" val="1"/>
                 </a:ext>
               </a:extLst>
             </p:cNvPr>
@@ -14406,7 +14411,7 @@
                   <a16:creationId xmlns:a16="http://schemas.microsoft.com/office/drawing/2014/main" id="{B11D6824-D097-439B-9956-5436E5111A9B}"/>
                 </a:ext>
                 <a:ext uri="{C183D7F6-B498-43B3-948B-1728B52AA6E4}">
-                  <adec:decorative xmlns="" xmlns:adec="http://schemas.microsoft.com/office/drawing/2017/decorative" val="1"/>
+                  <adec:decorative xmlns:adec="http://schemas.microsoft.com/office/drawing/2017/decorative" xmlns="" val="1"/>
                 </a:ext>
               </a:extLst>
             </p:cNvPr>
@@ -14486,7 +14491,7 @@
                 <a16:creationId xmlns:a16="http://schemas.microsoft.com/office/drawing/2014/main" id="{5669AB50-4CAD-4D10-A09A-A0C01AF9E6F6}"/>
               </a:ext>
               <a:ext uri="{C183D7F6-B498-43B3-948B-1728B52AA6E4}">
-                <adec:decorative xmlns="" xmlns:adec="http://schemas.microsoft.com/office/drawing/2017/decorative" val="1"/>
+                <adec:decorative xmlns:adec="http://schemas.microsoft.com/office/drawing/2017/decorative" xmlns="" val="1"/>
               </a:ext>
             </a:extLst>
           </p:cNvPr>
@@ -14677,7 +14682,7 @@
                 <a16:creationId xmlns:a16="http://schemas.microsoft.com/office/drawing/2014/main" id="{5A992EA8-A2AE-480C-BFF9-7B134643975C}"/>
               </a:ext>
               <a:ext uri="{C183D7F6-B498-43B3-948B-1728B52AA6E4}">
-                <adec:decorative xmlns="" xmlns:adec="http://schemas.microsoft.com/office/drawing/2017/decorative" val="1"/>
+                <adec:decorative xmlns:adec="http://schemas.microsoft.com/office/drawing/2017/decorative" xmlns="" val="1"/>
               </a:ext>
             </a:extLst>
           </p:cNvPr>
@@ -14708,7 +14713,7 @@
                   <a16:creationId xmlns:a16="http://schemas.microsoft.com/office/drawing/2014/main" id="{0F6F97DA-7406-453D-9AB4-28B0891BBFF4}"/>
                 </a:ext>
                 <a:ext uri="{C183D7F6-B498-43B3-948B-1728B52AA6E4}">
-                  <adec:decorative xmlns="" xmlns:adec="http://schemas.microsoft.com/office/drawing/2017/decorative" val="1"/>
+                  <adec:decorative xmlns:adec="http://schemas.microsoft.com/office/drawing/2017/decorative" xmlns="" val="1"/>
                 </a:ext>
               </a:extLst>
             </p:cNvPr>
@@ -14779,7 +14784,7 @@
                   <a16:creationId xmlns:a16="http://schemas.microsoft.com/office/drawing/2014/main" id="{31D171A9-30C8-4156-8EAF-50888EBE77EC}"/>
                 </a:ext>
                 <a:ext uri="{C183D7F6-B498-43B3-948B-1728B52AA6E4}">
-                  <adec:decorative xmlns="" xmlns:adec="http://schemas.microsoft.com/office/drawing/2017/decorative" val="1"/>
+                  <adec:decorative xmlns:adec="http://schemas.microsoft.com/office/drawing/2017/decorative" xmlns="" val="1"/>
                 </a:ext>
               </a:extLst>
             </p:cNvPr>
@@ -14857,7 +14862,7 @@
                   <a16:creationId xmlns:a16="http://schemas.microsoft.com/office/drawing/2014/main" id="{C52A6C74-8DC4-4902-962C-0DAFD7F9B5E3}"/>
                 </a:ext>
                 <a:ext uri="{C183D7F6-B498-43B3-948B-1728B52AA6E4}">
-                  <adec:decorative xmlns="" xmlns:adec="http://schemas.microsoft.com/office/drawing/2017/decorative" val="1"/>
+                  <adec:decorative xmlns:adec="http://schemas.microsoft.com/office/drawing/2017/decorative" xmlns="" val="1"/>
                 </a:ext>
               </a:extLst>
             </p:cNvPr>
@@ -14935,7 +14940,7 @@
                   <a16:creationId xmlns:a16="http://schemas.microsoft.com/office/drawing/2014/main" id="{D34C65DE-5132-426E-9E92-81CB9EFF8941}"/>
                 </a:ext>
                 <a:ext uri="{C183D7F6-B498-43B3-948B-1728B52AA6E4}">
-                  <adec:decorative xmlns="" xmlns:adec="http://schemas.microsoft.com/office/drawing/2017/decorative" val="1"/>
+                  <adec:decorative xmlns:adec="http://schemas.microsoft.com/office/drawing/2017/decorative" xmlns="" val="1"/>
                 </a:ext>
               </a:extLst>
             </p:cNvPr>
@@ -15013,7 +15018,7 @@
                   <a16:creationId xmlns:a16="http://schemas.microsoft.com/office/drawing/2014/main" id="{463FE9C4-150E-4C97-A21E-53B7CD261A14}"/>
                 </a:ext>
                 <a:ext uri="{C183D7F6-B498-43B3-948B-1728B52AA6E4}">
-                  <adec:decorative xmlns="" xmlns:adec="http://schemas.microsoft.com/office/drawing/2017/decorative" val="1"/>
+                  <adec:decorative xmlns:adec="http://schemas.microsoft.com/office/drawing/2017/decorative" xmlns="" val="1"/>
                 </a:ext>
               </a:extLst>
             </p:cNvPr>
@@ -15091,7 +15096,7 @@
                   <a16:creationId xmlns:a16="http://schemas.microsoft.com/office/drawing/2014/main" id="{F4DD7FA2-5B3A-4DD2-BA1A-735CC86BAA06}"/>
                 </a:ext>
                 <a:ext uri="{C183D7F6-B498-43B3-948B-1728B52AA6E4}">
-                  <adec:decorative xmlns="" xmlns:adec="http://schemas.microsoft.com/office/drawing/2017/decorative" val="1"/>
+                  <adec:decorative xmlns:adec="http://schemas.microsoft.com/office/drawing/2017/decorative" xmlns="" val="1"/>
                 </a:ext>
               </a:extLst>
             </p:cNvPr>
@@ -15169,7 +15174,7 @@
                   <a16:creationId xmlns:a16="http://schemas.microsoft.com/office/drawing/2014/main" id="{B11D6824-D097-439B-9956-5436E5111A9B}"/>
                 </a:ext>
                 <a:ext uri="{C183D7F6-B498-43B3-948B-1728B52AA6E4}">
-                  <adec:decorative xmlns="" xmlns:adec="http://schemas.microsoft.com/office/drawing/2017/decorative" val="1"/>
+                  <adec:decorative xmlns:adec="http://schemas.microsoft.com/office/drawing/2017/decorative" xmlns="" val="1"/>
                 </a:ext>
               </a:extLst>
             </p:cNvPr>
@@ -15249,7 +15254,7 @@
                 <a16:creationId xmlns:a16="http://schemas.microsoft.com/office/drawing/2014/main" id="{5669AB50-4CAD-4D10-A09A-A0C01AF9E6F6}"/>
               </a:ext>
               <a:ext uri="{C183D7F6-B498-43B3-948B-1728B52AA6E4}">
-                <adec:decorative xmlns="" xmlns:adec="http://schemas.microsoft.com/office/drawing/2017/decorative" val="1"/>
+                <adec:decorative xmlns:adec="http://schemas.microsoft.com/office/drawing/2017/decorative" xmlns="" val="1"/>
               </a:ext>
             </a:extLst>
           </p:cNvPr>
@@ -15384,7 +15389,6 @@
               <a:rPr lang="en-IN" dirty="0"/>
               <a:t>5. Conclusion</a:t>
             </a:r>
-            <a:endParaRPr lang="en-IN" dirty="0"/>
           </a:p>
         </p:txBody>
       </p:sp>
@@ -15781,6 +15785,36 @@
           </a:p>
         </p:txBody>
       </p:sp>
+      <p:pic>
+        <p:nvPicPr>
+          <p:cNvPr id="3" name="Picture 2"/>
+          <p:cNvPicPr>
+            <a:picLocks noChangeAspect="1"/>
+          </p:cNvPicPr>
+          <p:nvPr/>
+        </p:nvPicPr>
+        <p:blipFill>
+          <a:blip r:embed="rId2">
+            <a:extLst>
+              <a:ext uri="{28A0092B-C50C-407E-A947-70E740481C1C}">
+                <a14:useLocalDpi xmlns:a14="http://schemas.microsoft.com/office/drawing/2010/main" val="0"/>
+              </a:ext>
+            </a:extLst>
+          </a:blip>
+          <a:stretch>
+            <a:fillRect/>
+          </a:stretch>
+        </p:blipFill>
+        <p:spPr>
+          <a:xfrm>
+            <a:off x="7292423" y="2405548"/>
+            <a:ext cx="4286250" cy="2857500"/>
+          </a:xfrm>
+          <a:prstGeom prst="rect">
+            <a:avLst/>
+          </a:prstGeom>
+        </p:spPr>
+      </p:pic>
     </p:spTree>
     <p:extLst>
       <p:ext uri="{BB962C8B-B14F-4D97-AF65-F5344CB8AC3E}">
@@ -15830,7 +15864,6 @@
               <a:rPr lang="en-IN" dirty="0"/>
               <a:t>1. Introduction</a:t>
             </a:r>
-            <a:endParaRPr lang="en-IN" dirty="0"/>
           </a:p>
         </p:txBody>
       </p:sp>
@@ -15912,7 +15945,6 @@
               <a:rPr lang="en-IN" dirty="0"/>
               <a:t>2. Problem Statement</a:t>
             </a:r>
-            <a:endParaRPr lang="en-IN" dirty="0"/>
           </a:p>
         </p:txBody>
       </p:sp>
@@ -15933,7 +15965,23 @@
           <a:p>
             <a:r>
               <a:rPr lang="en-US" dirty="0"/>
-              <a:t>The Fast Food Restaurants dataset we are analyzing and providing Ranking of Top City, State, Zone and Restaurants in US.</a:t>
+              <a:t>Analyze and provide detailed analysis on </a:t>
+            </a:r>
+            <a:r>
+              <a:rPr lang="en-US" dirty="0"/>
+              <a:t>Fast Food Restaurants </a:t>
+            </a:r>
+            <a:r>
+              <a:rPr lang="en-US"/>
+              <a:t>dataset to provide</a:t>
+            </a:r>
+            <a:r>
+              <a:rPr lang="en-US"/>
+              <a:t> </a:t>
+            </a:r>
+            <a:r>
+              <a:rPr lang="en-US" dirty="0"/>
+              <a:t>Ranking of Top City, State, Zone and Restaurants in US.</a:t>
             </a:r>
           </a:p>
         </p:txBody>
@@ -15987,7 +16035,6 @@
               <a:rPr lang="en-IN" dirty="0"/>
               <a:t>3. Data profiling</a:t>
             </a:r>
-            <a:endParaRPr lang="en-IN" dirty="0"/>
           </a:p>
         </p:txBody>
       </p:sp>
@@ -16074,7 +16121,6 @@
               <a:rPr lang="en-IN" dirty="0"/>
               <a:t>4. Analysis through questions</a:t>
             </a:r>
-            <a:endParaRPr lang="en-IN" dirty="0"/>
           </a:p>
         </p:txBody>
       </p:sp>
@@ -16170,7 +16216,7 @@
                 <a16:creationId xmlns:a16="http://schemas.microsoft.com/office/drawing/2014/main" id="{5A992EA8-A2AE-480C-BFF9-7B134643975C}"/>
               </a:ext>
               <a:ext uri="{C183D7F6-B498-43B3-948B-1728B52AA6E4}">
-                <adec:decorative xmlns="" xmlns:adec="http://schemas.microsoft.com/office/drawing/2017/decorative" val="1"/>
+                <adec:decorative xmlns:adec="http://schemas.microsoft.com/office/drawing/2017/decorative" xmlns="" val="1"/>
               </a:ext>
             </a:extLst>
           </p:cNvPr>
@@ -16201,7 +16247,7 @@
                   <a16:creationId xmlns:a16="http://schemas.microsoft.com/office/drawing/2014/main" id="{0F6F97DA-7406-453D-9AB4-28B0891BBFF4}"/>
                 </a:ext>
                 <a:ext uri="{C183D7F6-B498-43B3-948B-1728B52AA6E4}">
-                  <adec:decorative xmlns="" xmlns:adec="http://schemas.microsoft.com/office/drawing/2017/decorative" val="1"/>
+                  <adec:decorative xmlns:adec="http://schemas.microsoft.com/office/drawing/2017/decorative" xmlns="" val="1"/>
                 </a:ext>
               </a:extLst>
             </p:cNvPr>
@@ -16272,7 +16318,7 @@
                   <a16:creationId xmlns:a16="http://schemas.microsoft.com/office/drawing/2014/main" id="{31D171A9-30C8-4156-8EAF-50888EBE77EC}"/>
                 </a:ext>
                 <a:ext uri="{C183D7F6-B498-43B3-948B-1728B52AA6E4}">
-                  <adec:decorative xmlns="" xmlns:adec="http://schemas.microsoft.com/office/drawing/2017/decorative" val="1"/>
+                  <adec:decorative xmlns:adec="http://schemas.microsoft.com/office/drawing/2017/decorative" xmlns="" val="1"/>
                 </a:ext>
               </a:extLst>
             </p:cNvPr>
@@ -16350,7 +16396,7 @@
                   <a16:creationId xmlns:a16="http://schemas.microsoft.com/office/drawing/2014/main" id="{C52A6C74-8DC4-4902-962C-0DAFD7F9B5E3}"/>
                 </a:ext>
                 <a:ext uri="{C183D7F6-B498-43B3-948B-1728B52AA6E4}">
-                  <adec:decorative xmlns="" xmlns:adec="http://schemas.microsoft.com/office/drawing/2017/decorative" val="1"/>
+                  <adec:decorative xmlns:adec="http://schemas.microsoft.com/office/drawing/2017/decorative" xmlns="" val="1"/>
                 </a:ext>
               </a:extLst>
             </p:cNvPr>
@@ -16428,7 +16474,7 @@
                   <a16:creationId xmlns:a16="http://schemas.microsoft.com/office/drawing/2014/main" id="{D34C65DE-5132-426E-9E92-81CB9EFF8941}"/>
                 </a:ext>
                 <a:ext uri="{C183D7F6-B498-43B3-948B-1728B52AA6E4}">
-                  <adec:decorative xmlns="" xmlns:adec="http://schemas.microsoft.com/office/drawing/2017/decorative" val="1"/>
+                  <adec:decorative xmlns:adec="http://schemas.microsoft.com/office/drawing/2017/decorative" xmlns="" val="1"/>
                 </a:ext>
               </a:extLst>
             </p:cNvPr>
@@ -16506,7 +16552,7 @@
                   <a16:creationId xmlns:a16="http://schemas.microsoft.com/office/drawing/2014/main" id="{463FE9C4-150E-4C97-A21E-53B7CD261A14}"/>
                 </a:ext>
                 <a:ext uri="{C183D7F6-B498-43B3-948B-1728B52AA6E4}">
-                  <adec:decorative xmlns="" xmlns:adec="http://schemas.microsoft.com/office/drawing/2017/decorative" val="1"/>
+                  <adec:decorative xmlns:adec="http://schemas.microsoft.com/office/drawing/2017/decorative" xmlns="" val="1"/>
                 </a:ext>
               </a:extLst>
             </p:cNvPr>
@@ -16584,7 +16630,7 @@
                   <a16:creationId xmlns:a16="http://schemas.microsoft.com/office/drawing/2014/main" id="{F4DD7FA2-5B3A-4DD2-BA1A-735CC86BAA06}"/>
                 </a:ext>
                 <a:ext uri="{C183D7F6-B498-43B3-948B-1728B52AA6E4}">
-                  <adec:decorative xmlns="" xmlns:adec="http://schemas.microsoft.com/office/drawing/2017/decorative" val="1"/>
+                  <adec:decorative xmlns:adec="http://schemas.microsoft.com/office/drawing/2017/decorative" xmlns="" val="1"/>
                 </a:ext>
               </a:extLst>
             </p:cNvPr>
@@ -16662,7 +16708,7 @@
                   <a16:creationId xmlns:a16="http://schemas.microsoft.com/office/drawing/2014/main" id="{B11D6824-D097-439B-9956-5436E5111A9B}"/>
                 </a:ext>
                 <a:ext uri="{C183D7F6-B498-43B3-948B-1728B52AA6E4}">
-                  <adec:decorative xmlns="" xmlns:adec="http://schemas.microsoft.com/office/drawing/2017/decorative" val="1"/>
+                  <adec:decorative xmlns:adec="http://schemas.microsoft.com/office/drawing/2017/decorative" xmlns="" val="1"/>
                 </a:ext>
               </a:extLst>
             </p:cNvPr>
@@ -16742,7 +16788,7 @@
                 <a16:creationId xmlns:a16="http://schemas.microsoft.com/office/drawing/2014/main" id="{5669AB50-4CAD-4D10-A09A-A0C01AF9E6F6}"/>
               </a:ext>
               <a:ext uri="{C183D7F6-B498-43B3-948B-1728B52AA6E4}">
-                <adec:decorative xmlns="" xmlns:adec="http://schemas.microsoft.com/office/drawing/2017/decorative" val="1"/>
+                <adec:decorative xmlns:adec="http://schemas.microsoft.com/office/drawing/2017/decorative" xmlns="" val="1"/>
               </a:ext>
             </a:extLst>
           </p:cNvPr>
@@ -16933,7 +16979,7 @@
                 <a16:creationId xmlns:a16="http://schemas.microsoft.com/office/drawing/2014/main" id="{5A992EA8-A2AE-480C-BFF9-7B134643975C}"/>
               </a:ext>
               <a:ext uri="{C183D7F6-B498-43B3-948B-1728B52AA6E4}">
-                <adec:decorative xmlns="" xmlns:adec="http://schemas.microsoft.com/office/drawing/2017/decorative" val="1"/>
+                <adec:decorative xmlns:adec="http://schemas.microsoft.com/office/drawing/2017/decorative" xmlns="" val="1"/>
               </a:ext>
             </a:extLst>
           </p:cNvPr>
@@ -16964,7 +17010,7 @@
                   <a16:creationId xmlns:a16="http://schemas.microsoft.com/office/drawing/2014/main" id="{0F6F97DA-7406-453D-9AB4-28B0891BBFF4}"/>
                 </a:ext>
                 <a:ext uri="{C183D7F6-B498-43B3-948B-1728B52AA6E4}">
-                  <adec:decorative xmlns="" xmlns:adec="http://schemas.microsoft.com/office/drawing/2017/decorative" val="1"/>
+                  <adec:decorative xmlns:adec="http://schemas.microsoft.com/office/drawing/2017/decorative" xmlns="" val="1"/>
                 </a:ext>
               </a:extLst>
             </p:cNvPr>
@@ -17035,7 +17081,7 @@
                   <a16:creationId xmlns:a16="http://schemas.microsoft.com/office/drawing/2014/main" id="{31D171A9-30C8-4156-8EAF-50888EBE77EC}"/>
                 </a:ext>
                 <a:ext uri="{C183D7F6-B498-43B3-948B-1728B52AA6E4}">
-                  <adec:decorative xmlns="" xmlns:adec="http://schemas.microsoft.com/office/drawing/2017/decorative" val="1"/>
+                  <adec:decorative xmlns:adec="http://schemas.microsoft.com/office/drawing/2017/decorative" xmlns="" val="1"/>
                 </a:ext>
               </a:extLst>
             </p:cNvPr>
@@ -17113,7 +17159,7 @@
                   <a16:creationId xmlns:a16="http://schemas.microsoft.com/office/drawing/2014/main" id="{C52A6C74-8DC4-4902-962C-0DAFD7F9B5E3}"/>
                 </a:ext>
                 <a:ext uri="{C183D7F6-B498-43B3-948B-1728B52AA6E4}">
-                  <adec:decorative xmlns="" xmlns:adec="http://schemas.microsoft.com/office/drawing/2017/decorative" val="1"/>
+                  <adec:decorative xmlns:adec="http://schemas.microsoft.com/office/drawing/2017/decorative" xmlns="" val="1"/>
                 </a:ext>
               </a:extLst>
             </p:cNvPr>
@@ -17191,7 +17237,7 @@
                   <a16:creationId xmlns:a16="http://schemas.microsoft.com/office/drawing/2014/main" id="{D34C65DE-5132-426E-9E92-81CB9EFF8941}"/>
                 </a:ext>
                 <a:ext uri="{C183D7F6-B498-43B3-948B-1728B52AA6E4}">
-                  <adec:decorative xmlns="" xmlns:adec="http://schemas.microsoft.com/office/drawing/2017/decorative" val="1"/>
+                  <adec:decorative xmlns:adec="http://schemas.microsoft.com/office/drawing/2017/decorative" xmlns="" val="1"/>
                 </a:ext>
               </a:extLst>
             </p:cNvPr>
@@ -17269,7 +17315,7 @@
                   <a16:creationId xmlns:a16="http://schemas.microsoft.com/office/drawing/2014/main" id="{463FE9C4-150E-4C97-A21E-53B7CD261A14}"/>
                 </a:ext>
                 <a:ext uri="{C183D7F6-B498-43B3-948B-1728B52AA6E4}">
-                  <adec:decorative xmlns="" xmlns:adec="http://schemas.microsoft.com/office/drawing/2017/decorative" val="1"/>
+                  <adec:decorative xmlns:adec="http://schemas.microsoft.com/office/drawing/2017/decorative" xmlns="" val="1"/>
                 </a:ext>
               </a:extLst>
             </p:cNvPr>
@@ -17347,7 +17393,7 @@
                   <a16:creationId xmlns:a16="http://schemas.microsoft.com/office/drawing/2014/main" id="{F4DD7FA2-5B3A-4DD2-BA1A-735CC86BAA06}"/>
                 </a:ext>
                 <a:ext uri="{C183D7F6-B498-43B3-948B-1728B52AA6E4}">
-                  <adec:decorative xmlns="" xmlns:adec="http://schemas.microsoft.com/office/drawing/2017/decorative" val="1"/>
+                  <adec:decorative xmlns:adec="http://schemas.microsoft.com/office/drawing/2017/decorative" xmlns="" val="1"/>
                 </a:ext>
               </a:extLst>
             </p:cNvPr>
@@ -17425,7 +17471,7 @@
                   <a16:creationId xmlns:a16="http://schemas.microsoft.com/office/drawing/2014/main" id="{B11D6824-D097-439B-9956-5436E5111A9B}"/>
                 </a:ext>
                 <a:ext uri="{C183D7F6-B498-43B3-948B-1728B52AA6E4}">
-                  <adec:decorative xmlns="" xmlns:adec="http://schemas.microsoft.com/office/drawing/2017/decorative" val="1"/>
+                  <adec:decorative xmlns:adec="http://schemas.microsoft.com/office/drawing/2017/decorative" xmlns="" val="1"/>
                 </a:ext>
               </a:extLst>
             </p:cNvPr>
@@ -17505,7 +17551,7 @@
                 <a16:creationId xmlns:a16="http://schemas.microsoft.com/office/drawing/2014/main" id="{5669AB50-4CAD-4D10-A09A-A0C01AF9E6F6}"/>
               </a:ext>
               <a:ext uri="{C183D7F6-B498-43B3-948B-1728B52AA6E4}">
-                <adec:decorative xmlns="" xmlns:adec="http://schemas.microsoft.com/office/drawing/2017/decorative" val="1"/>
+                <adec:decorative xmlns:adec="http://schemas.microsoft.com/office/drawing/2017/decorative" xmlns="" val="1"/>
               </a:ext>
             </a:extLst>
           </p:cNvPr>
@@ -17696,7 +17742,7 @@
                 <a16:creationId xmlns:a16="http://schemas.microsoft.com/office/drawing/2014/main" id="{5A992EA8-A2AE-480C-BFF9-7B134643975C}"/>
               </a:ext>
               <a:ext uri="{C183D7F6-B498-43B3-948B-1728B52AA6E4}">
-                <adec:decorative xmlns="" xmlns:adec="http://schemas.microsoft.com/office/drawing/2017/decorative" val="1"/>
+                <adec:decorative xmlns:adec="http://schemas.microsoft.com/office/drawing/2017/decorative" xmlns="" val="1"/>
               </a:ext>
             </a:extLst>
           </p:cNvPr>
@@ -17727,7 +17773,7 @@
                   <a16:creationId xmlns:a16="http://schemas.microsoft.com/office/drawing/2014/main" id="{0F6F97DA-7406-453D-9AB4-28B0891BBFF4}"/>
                 </a:ext>
                 <a:ext uri="{C183D7F6-B498-43B3-948B-1728B52AA6E4}">
-                  <adec:decorative xmlns="" xmlns:adec="http://schemas.microsoft.com/office/drawing/2017/decorative" val="1"/>
+                  <adec:decorative xmlns:adec="http://schemas.microsoft.com/office/drawing/2017/decorative" xmlns="" val="1"/>
                 </a:ext>
               </a:extLst>
             </p:cNvPr>
@@ -17798,7 +17844,7 @@
                   <a16:creationId xmlns:a16="http://schemas.microsoft.com/office/drawing/2014/main" id="{31D171A9-30C8-4156-8EAF-50888EBE77EC}"/>
                 </a:ext>
                 <a:ext uri="{C183D7F6-B498-43B3-948B-1728B52AA6E4}">
-                  <adec:decorative xmlns="" xmlns:adec="http://schemas.microsoft.com/office/drawing/2017/decorative" val="1"/>
+                  <adec:decorative xmlns:adec="http://schemas.microsoft.com/office/drawing/2017/decorative" xmlns="" val="1"/>
                 </a:ext>
               </a:extLst>
             </p:cNvPr>
@@ -17876,7 +17922,7 @@
                   <a16:creationId xmlns:a16="http://schemas.microsoft.com/office/drawing/2014/main" id="{C52A6C74-8DC4-4902-962C-0DAFD7F9B5E3}"/>
                 </a:ext>
                 <a:ext uri="{C183D7F6-B498-43B3-948B-1728B52AA6E4}">
-                  <adec:decorative xmlns="" xmlns:adec="http://schemas.microsoft.com/office/drawing/2017/decorative" val="1"/>
+                  <adec:decorative xmlns:adec="http://schemas.microsoft.com/office/drawing/2017/decorative" xmlns="" val="1"/>
                 </a:ext>
               </a:extLst>
             </p:cNvPr>
@@ -17954,7 +18000,7 @@
                   <a16:creationId xmlns:a16="http://schemas.microsoft.com/office/drawing/2014/main" id="{D34C65DE-5132-426E-9E92-81CB9EFF8941}"/>
                 </a:ext>
                 <a:ext uri="{C183D7F6-B498-43B3-948B-1728B52AA6E4}">
-                  <adec:decorative xmlns="" xmlns:adec="http://schemas.microsoft.com/office/drawing/2017/decorative" val="1"/>
+                  <adec:decorative xmlns:adec="http://schemas.microsoft.com/office/drawing/2017/decorative" xmlns="" val="1"/>
                 </a:ext>
               </a:extLst>
             </p:cNvPr>
@@ -18032,7 +18078,7 @@
                   <a16:creationId xmlns:a16="http://schemas.microsoft.com/office/drawing/2014/main" id="{463FE9C4-150E-4C97-A21E-53B7CD261A14}"/>
                 </a:ext>
                 <a:ext uri="{C183D7F6-B498-43B3-948B-1728B52AA6E4}">
-                  <adec:decorative xmlns="" xmlns:adec="http://schemas.microsoft.com/office/drawing/2017/decorative" val="1"/>
+                  <adec:decorative xmlns:adec="http://schemas.microsoft.com/office/drawing/2017/decorative" xmlns="" val="1"/>
                 </a:ext>
               </a:extLst>
             </p:cNvPr>
@@ -18110,7 +18156,7 @@
                   <a16:creationId xmlns:a16="http://schemas.microsoft.com/office/drawing/2014/main" id="{F4DD7FA2-5B3A-4DD2-BA1A-735CC86BAA06}"/>
                 </a:ext>
                 <a:ext uri="{C183D7F6-B498-43B3-948B-1728B52AA6E4}">
-                  <adec:decorative xmlns="" xmlns:adec="http://schemas.microsoft.com/office/drawing/2017/decorative" val="1"/>
+                  <adec:decorative xmlns:adec="http://schemas.microsoft.com/office/drawing/2017/decorative" xmlns="" val="1"/>
                 </a:ext>
               </a:extLst>
             </p:cNvPr>
@@ -18188,7 +18234,7 @@
                   <a16:creationId xmlns:a16="http://schemas.microsoft.com/office/drawing/2014/main" id="{B11D6824-D097-439B-9956-5436E5111A9B}"/>
                 </a:ext>
                 <a:ext uri="{C183D7F6-B498-43B3-948B-1728B52AA6E4}">
-                  <adec:decorative xmlns="" xmlns:adec="http://schemas.microsoft.com/office/drawing/2017/decorative" val="1"/>
+                  <adec:decorative xmlns:adec="http://schemas.microsoft.com/office/drawing/2017/decorative" xmlns="" val="1"/>
                 </a:ext>
               </a:extLst>
             </p:cNvPr>
@@ -18268,7 +18314,7 @@
                 <a16:creationId xmlns:a16="http://schemas.microsoft.com/office/drawing/2014/main" id="{5669AB50-4CAD-4D10-A09A-A0C01AF9E6F6}"/>
               </a:ext>
               <a:ext uri="{C183D7F6-B498-43B3-948B-1728B52AA6E4}">
-                <adec:decorative xmlns="" xmlns:adec="http://schemas.microsoft.com/office/drawing/2017/decorative" val="1"/>
+                <adec:decorative xmlns:adec="http://schemas.microsoft.com/office/drawing/2017/decorative" xmlns="" val="1"/>
               </a:ext>
             </a:extLst>
           </p:cNvPr>
